--- a/aulas/t/SCO-T1-A09-A10.pptx
+++ b/aulas/t/SCO-T1-A09-A10.pptx
@@ -7577,7 +7577,7 @@
         </p:nvSpPr>
         <p:spPr bwMode="auto">
           <a:xfrm>
-            <a:off x="539552" y="913284"/>
+            <a:off x="539552" y="841276"/>
             <a:ext cx="8424488" cy="4241662"/>
           </a:xfrm>
           <a:prstGeom prst="rect">
@@ -8036,7 +8036,7 @@
         </p:nvSpPr>
         <p:spPr bwMode="auto">
           <a:xfrm>
-            <a:off x="539552" y="913284"/>
+            <a:off x="539552" y="841276"/>
             <a:ext cx="8424488" cy="3946196"/>
           </a:xfrm>
           <a:prstGeom prst="rect">
@@ -8461,7 +8461,7 @@
         </p:nvSpPr>
         <p:spPr bwMode="auto">
           <a:xfrm>
-            <a:off x="539552" y="913284"/>
+            <a:off x="539552" y="841276"/>
             <a:ext cx="8424488" cy="3355265"/>
           </a:xfrm>
           <a:prstGeom prst="rect">
@@ -8799,7 +8799,7 @@
         </p:nvSpPr>
         <p:spPr bwMode="auto">
           <a:xfrm>
-            <a:off x="539552" y="913284"/>
+            <a:off x="539552" y="841276"/>
             <a:ext cx="8424488" cy="3946196"/>
           </a:xfrm>
           <a:prstGeom prst="rect">
@@ -9216,7 +9216,7 @@
         </p:nvSpPr>
         <p:spPr bwMode="auto">
           <a:xfrm>
-            <a:off x="539552" y="913284"/>
+            <a:off x="539552" y="841276"/>
             <a:ext cx="8424488" cy="696076"/>
           </a:xfrm>
           <a:prstGeom prst="rect">
@@ -9601,7 +9601,7 @@
         </p:nvSpPr>
         <p:spPr bwMode="auto">
           <a:xfrm>
-            <a:off x="539552" y="913284"/>
+            <a:off x="539552" y="841276"/>
             <a:ext cx="8424488" cy="696076"/>
           </a:xfrm>
           <a:prstGeom prst="rect">
@@ -9986,7 +9986,7 @@
         </p:nvSpPr>
         <p:spPr bwMode="auto">
           <a:xfrm>
-            <a:off x="539552" y="913284"/>
+            <a:off x="539552" y="841276"/>
             <a:ext cx="8424488" cy="696076"/>
           </a:xfrm>
           <a:prstGeom prst="rect">
@@ -10367,7 +10367,7 @@
         </p:nvSpPr>
         <p:spPr bwMode="auto">
           <a:xfrm>
-            <a:off x="539552" y="913284"/>
+            <a:off x="539552" y="841276"/>
             <a:ext cx="8424488" cy="4241662"/>
           </a:xfrm>
           <a:prstGeom prst="rect">
@@ -10823,7 +10823,7 @@
         </p:nvSpPr>
         <p:spPr bwMode="auto">
           <a:xfrm>
-            <a:off x="539552" y="913284"/>
+            <a:off x="539552" y="841276"/>
             <a:ext cx="8424488" cy="3355265"/>
           </a:xfrm>
           <a:prstGeom prst="rect">
@@ -11178,7 +11178,7 @@
         </p:nvSpPr>
         <p:spPr bwMode="auto">
           <a:xfrm>
-            <a:off x="539552" y="913284"/>
+            <a:off x="539552" y="841276"/>
             <a:ext cx="8424488" cy="696076"/>
           </a:xfrm>
           <a:prstGeom prst="rect">
@@ -12724,7 +12724,7 @@
         </p:nvSpPr>
         <p:spPr bwMode="auto">
           <a:xfrm>
-            <a:off x="540000" y="900000"/>
+            <a:off x="540000" y="841276"/>
             <a:ext cx="8136456" cy="2542735"/>
           </a:xfrm>
           <a:prstGeom prst="rect">
@@ -13188,7 +13188,7 @@
         </p:nvSpPr>
         <p:spPr bwMode="auto">
           <a:xfrm>
-            <a:off x="539552" y="913284"/>
+            <a:off x="539552" y="841276"/>
             <a:ext cx="8424488" cy="696076"/>
           </a:xfrm>
           <a:prstGeom prst="rect">
@@ -15085,7 +15085,7 @@
         </p:nvSpPr>
         <p:spPr bwMode="auto">
           <a:xfrm>
-            <a:off x="540000" y="900000"/>
+            <a:off x="540000" y="841276"/>
             <a:ext cx="8064448" cy="3568914"/>
           </a:xfrm>
           <a:prstGeom prst="rect">
@@ -15512,7 +15512,7 @@
         </p:nvSpPr>
         <p:spPr bwMode="auto">
           <a:xfrm>
-            <a:off x="540000" y="900000"/>
+            <a:off x="540000" y="841276"/>
             <a:ext cx="8424488" cy="4241662"/>
           </a:xfrm>
           <a:prstGeom prst="rect">
@@ -15882,7 +15882,7 @@
         </p:nvSpPr>
         <p:spPr bwMode="auto">
           <a:xfrm>
-            <a:off x="540000" y="900000"/>
+            <a:off x="540000" y="841276"/>
             <a:ext cx="8424488" cy="3650731"/>
           </a:xfrm>
           <a:prstGeom prst="rect">
@@ -16295,7 +16295,7 @@
         </p:nvSpPr>
         <p:spPr bwMode="auto">
           <a:xfrm>
-            <a:off x="540000" y="900000"/>
+            <a:off x="540000" y="841276"/>
             <a:ext cx="8424488" cy="3059800"/>
           </a:xfrm>
           <a:prstGeom prst="rect">
@@ -16685,7 +16685,7 @@
         </p:nvSpPr>
         <p:spPr bwMode="auto">
           <a:xfrm>
-            <a:off x="540000" y="900000"/>
+            <a:off x="540000" y="841276"/>
             <a:ext cx="8424488" cy="1582472"/>
           </a:xfrm>
           <a:prstGeom prst="rect">
@@ -20161,7 +20161,7 @@
         </p:nvSpPr>
         <p:spPr bwMode="auto">
           <a:xfrm>
-            <a:off x="539552" y="913284"/>
+            <a:off x="539552" y="841276"/>
             <a:ext cx="3096344" cy="3355265"/>
           </a:xfrm>
           <a:prstGeom prst="rect">
@@ -20572,7 +20572,7 @@
         </p:nvSpPr>
         <p:spPr bwMode="auto">
           <a:xfrm>
-            <a:off x="539552" y="913284"/>
+            <a:off x="539552" y="841276"/>
             <a:ext cx="8424488" cy="2764334"/>
           </a:xfrm>
           <a:prstGeom prst="rect">
@@ -20948,7 +20948,7 @@
         </p:nvSpPr>
         <p:spPr bwMode="auto">
           <a:xfrm>
-            <a:off x="539552" y="913284"/>
+            <a:off x="539552" y="841276"/>
             <a:ext cx="8424488" cy="4241662"/>
           </a:xfrm>
           <a:prstGeom prst="rect">
